--- a/0_diversRapport/3_poster/poster_SIG.pptx
+++ b/0_diversRapport/3_poster/poster_SIG.pptx
@@ -262,7 +262,7 @@
           <a:p>
             <a:fld id="{1D8BD707-D9CF-40AE-B4C6-C98DA3205C09}" type="datetimeFigureOut">
               <a:rPr lang="en-US"/>
-              <a:t>1/20/2023</a:t>
+              <a:t>1/21/2023</a:t>
             </a:fld>
             <a:endParaRPr lang="en-US"/>
           </a:p>
@@ -438,7 +438,7 @@
           <a:p>
             <a:fld id="{1D8BD707-D9CF-40AE-B4C6-C98DA3205C09}" type="datetimeFigureOut">
               <a:rPr lang="en-US"/>
-              <a:t>1/20/2023</a:t>
+              <a:t>1/21/2023</a:t>
             </a:fld>
             <a:endParaRPr lang="en-US"/>
           </a:p>
@@ -657,7 +657,7 @@
           <a:p>
             <a:fld id="{1D8BD707-D9CF-40AE-B4C6-C98DA3205C09}" type="datetimeFigureOut">
               <a:rPr lang="en-US"/>
-              <a:t>1/20/2023</a:t>
+              <a:t>1/21/2023</a:t>
             </a:fld>
             <a:endParaRPr lang="en-US"/>
           </a:p>
@@ -810,7 +810,7 @@
           <a:p>
             <a:fld id="{1D8BD707-D9CF-40AE-B4C6-C98DA3205C09}" type="datetimeFigureOut">
               <a:rPr lang="en-US"/>
-              <a:t>1/20/2023</a:t>
+              <a:t>1/21/2023</a:t>
             </a:fld>
             <a:endParaRPr lang="en-US"/>
           </a:p>
@@ -959,7 +959,7 @@
           <a:p>
             <a:fld id="{1D8BD707-D9CF-40AE-B4C6-C98DA3205C09}" type="datetimeFigureOut">
               <a:rPr lang="en-US"/>
-              <a:t>1/20/2023</a:t>
+              <a:t>1/21/2023</a:t>
             </a:fld>
             <a:endParaRPr lang="en-US"/>
           </a:p>
@@ -1178,7 +1178,7 @@
           <a:p>
             <a:fld id="{1D8BD707-D9CF-40AE-B4C6-C98DA3205C09}" type="datetimeFigureOut">
               <a:rPr lang="en-US"/>
-              <a:t>1/20/2023</a:t>
+              <a:t>1/21/2023</a:t>
             </a:fld>
             <a:endParaRPr lang="en-US"/>
           </a:p>
@@ -1397,6 +1397,54 @@
           <a:chExt cx="0" cy="0"/>
         </a:xfrm>
       </p:grpSpPr>
+      <p:pic>
+        <p:nvPicPr>
+          <p:cNvPr id="1026" name="Picture 2" descr="Pac man video game Banque de photographies et d'images à haute résolution -  Alamy">
+            <a:extLst>
+              <a:ext uri="{FF2B5EF4-FFF2-40B4-BE49-F238E27FC236}">
+                <a16:creationId xmlns:a16="http://schemas.microsoft.com/office/drawing/2014/main" id="{64575117-853E-42D1-52BE-0377792EE612}"/>
+              </a:ext>
+            </a:extLst>
+          </p:cNvPr>
+          <p:cNvPicPr>
+            <a:picLocks noChangeAspect="1" noChangeArrowheads="1"/>
+          </p:cNvPicPr>
+          <p:nvPr/>
+        </p:nvPicPr>
+        <p:blipFill>
+          <a:blip r:embed="rId2">
+            <a:alphaModFix amt="20000"/>
+            <a:extLst>
+              <a:ext uri="{28A0092B-C50C-407E-A947-70E740481C1C}">
+                <a14:useLocalDpi xmlns:a14="http://schemas.microsoft.com/office/drawing/2010/main" val="0"/>
+              </a:ext>
+            </a:extLst>
+          </a:blip>
+          <a:srcRect/>
+          <a:stretch>
+            <a:fillRect/>
+          </a:stretch>
+        </p:blipFill>
+        <p:spPr bwMode="auto">
+          <a:xfrm>
+            <a:off x="-2115053" y="-4642062"/>
+            <a:ext cx="26345438" cy="40022030"/>
+          </a:xfrm>
+          <a:prstGeom prst="rect">
+            <a:avLst/>
+          </a:prstGeom>
+          <a:noFill/>
+          <a:extLst>
+            <a:ext uri="{909E8E84-426E-40DD-AFC4-6F175D3DCCD1}">
+              <a14:hiddenFill xmlns:a14="http://schemas.microsoft.com/office/drawing/2010/main">
+                <a:solidFill>
+                  <a:srgbClr val="FFFFFF"/>
+                </a:solidFill>
+              </a14:hiddenFill>
+            </a:ext>
+          </a:extLst>
+        </p:spPr>
+      </p:pic>
       <p:sp>
         <p:nvSpPr>
           <p:cNvPr id="10" name="object 2">
@@ -1741,7 +1789,7 @@
             <p:nvPr/>
           </p:nvPicPr>
           <p:blipFill>
-            <a:blip r:embed="rId2" cstate="print"/>
+            <a:blip r:embed="rId3" cstate="print"/>
             <a:stretch>
               <a:fillRect/>
             </a:stretch>
@@ -1769,7 +1817,7 @@
             <p:nvPr/>
           </p:nvPicPr>
           <p:blipFill>
-            <a:blip r:embed="rId3" cstate="print"/>
+            <a:blip r:embed="rId4" cstate="print"/>
             <a:stretch>
               <a:fillRect/>
             </a:stretch>
@@ -2063,15 +2111,15 @@
           <p:nvPr/>
         </p:nvPicPr>
         <p:blipFill>
-          <a:blip r:embed="rId4"/>
+          <a:blip r:embed="rId5"/>
           <a:stretch>
             <a:fillRect/>
           </a:stretch>
         </p:blipFill>
         <p:spPr>
           <a:xfrm>
-            <a:off x="2587693" y="11876974"/>
-            <a:ext cx="9502964" cy="5921253"/>
+            <a:off x="-512098" y="15902434"/>
+            <a:ext cx="10330052" cy="6436607"/>
           </a:xfrm>
           <a:prstGeom prst="rect">
             <a:avLst/>
@@ -2093,15 +2141,921 @@
           <p:nvPr/>
         </p:nvPicPr>
         <p:blipFill>
-          <a:blip r:embed="rId5"/>
+          <a:blip r:embed="rId6"/>
           <a:stretch>
             <a:fillRect/>
           </a:stretch>
         </p:blipFill>
         <p:spPr>
           <a:xfrm>
-            <a:off x="1475956" y="19023806"/>
-            <a:ext cx="12177815" cy="6759526"/>
+            <a:off x="9817954" y="15897354"/>
+            <a:ext cx="11605204" cy="6441687"/>
+          </a:xfrm>
+          <a:prstGeom prst="rect">
+            <a:avLst/>
+          </a:prstGeom>
+        </p:spPr>
+      </p:pic>
+      <p:sp>
+        <p:nvSpPr>
+          <p:cNvPr id="2" name="ZoneTexte 1">
+            <a:extLst>
+              <a:ext uri="{FF2B5EF4-FFF2-40B4-BE49-F238E27FC236}">
+                <a16:creationId xmlns:a16="http://schemas.microsoft.com/office/drawing/2014/main" id="{33A9D855-B38A-6061-063A-FC671AD558DD}"/>
+              </a:ext>
+            </a:extLst>
+          </p:cNvPr>
+          <p:cNvSpPr txBox="1"/>
+          <p:nvPr/>
+        </p:nvSpPr>
+        <p:spPr>
+          <a:xfrm>
+            <a:off x="3783227" y="114953"/>
+            <a:ext cx="13817170" cy="3170099"/>
+          </a:xfrm>
+          <a:prstGeom prst="rect">
+            <a:avLst/>
+          </a:prstGeom>
+          <a:noFill/>
+        </p:spPr>
+        <p:txBody>
+          <a:bodyPr wrap="square" rtlCol="0">
+            <a:spAutoFit/>
+          </a:bodyPr>
+          <a:lstStyle/>
+          <a:p>
+            <a:r>
+              <a:rPr lang="fr-CH" sz="10000" b="1" dirty="0">
+                <a:latin typeface="Arial" panose="020B0604020202020204" pitchFamily="34" charset="0"/>
+                <a:cs typeface="Arial" panose="020B0604020202020204" pitchFamily="34" charset="0"/>
+              </a:rPr>
+              <a:t>Création d’un site web pour jouer à PAC-MAN</a:t>
+            </a:r>
+          </a:p>
+        </p:txBody>
+      </p:sp>
+      <p:sp>
+        <p:nvSpPr>
+          <p:cNvPr id="3" name="ZoneTexte 2">
+            <a:extLst>
+              <a:ext uri="{FF2B5EF4-FFF2-40B4-BE49-F238E27FC236}">
+                <a16:creationId xmlns:a16="http://schemas.microsoft.com/office/drawing/2014/main" id="{4D7FCC9E-8BB6-1BC8-C298-8DFED51AAF2C}"/>
+              </a:ext>
+            </a:extLst>
+          </p:cNvPr>
+          <p:cNvSpPr txBox="1"/>
+          <p:nvPr/>
+        </p:nvSpPr>
+        <p:spPr>
+          <a:xfrm>
+            <a:off x="1115931" y="3354414"/>
+            <a:ext cx="7951132" cy="938719"/>
+          </a:xfrm>
+          <a:prstGeom prst="rect">
+            <a:avLst/>
+          </a:prstGeom>
+          <a:noFill/>
+        </p:spPr>
+        <p:txBody>
+          <a:bodyPr wrap="square" rtlCol="0">
+            <a:spAutoFit/>
+          </a:bodyPr>
+          <a:lstStyle/>
+          <a:p>
+            <a:r>
+              <a:rPr lang="fr-CH" sz="5500" b="1" u="sng" dirty="0">
+                <a:latin typeface="Arial" panose="020B0604020202020204" pitchFamily="34" charset="0"/>
+                <a:cs typeface="Arial" panose="020B0604020202020204" pitchFamily="34" charset="0"/>
+              </a:rPr>
+              <a:t>Contexte</a:t>
+            </a:r>
+          </a:p>
+        </p:txBody>
+      </p:sp>
+      <p:sp>
+        <p:nvSpPr>
+          <p:cNvPr id="4" name="ZoneTexte 3">
+            <a:extLst>
+              <a:ext uri="{FF2B5EF4-FFF2-40B4-BE49-F238E27FC236}">
+                <a16:creationId xmlns:a16="http://schemas.microsoft.com/office/drawing/2014/main" id="{00675C24-99E9-059B-13F8-1CB701717D81}"/>
+              </a:ext>
+            </a:extLst>
+          </p:cNvPr>
+          <p:cNvSpPr txBox="1"/>
+          <p:nvPr/>
+        </p:nvSpPr>
+        <p:spPr>
+          <a:xfrm>
+            <a:off x="8580372" y="3354414"/>
+            <a:ext cx="7951132" cy="938719"/>
+          </a:xfrm>
+          <a:prstGeom prst="rect">
+            <a:avLst/>
+          </a:prstGeom>
+          <a:noFill/>
+        </p:spPr>
+        <p:txBody>
+          <a:bodyPr wrap="square" rtlCol="0">
+            <a:spAutoFit/>
+          </a:bodyPr>
+          <a:lstStyle/>
+          <a:p>
+            <a:r>
+              <a:rPr lang="fr-CH" sz="5500" b="1" u="sng" dirty="0">
+                <a:latin typeface="Arial" panose="020B0604020202020204" pitchFamily="34" charset="0"/>
+                <a:cs typeface="Arial" panose="020B0604020202020204" pitchFamily="34" charset="0"/>
+              </a:rPr>
+              <a:t>Objectifs</a:t>
+            </a:r>
+          </a:p>
+        </p:txBody>
+      </p:sp>
+      <p:sp>
+        <p:nvSpPr>
+          <p:cNvPr id="5" name="ZoneTexte 4">
+            <a:extLst>
+              <a:ext uri="{FF2B5EF4-FFF2-40B4-BE49-F238E27FC236}">
+                <a16:creationId xmlns:a16="http://schemas.microsoft.com/office/drawing/2014/main" id="{7313E331-903E-168D-4C30-0EB82A828664}"/>
+              </a:ext>
+            </a:extLst>
+          </p:cNvPr>
+          <p:cNvSpPr txBox="1"/>
+          <p:nvPr/>
+        </p:nvSpPr>
+        <p:spPr>
+          <a:xfrm>
+            <a:off x="8721415" y="9705572"/>
+            <a:ext cx="7951132" cy="938719"/>
+          </a:xfrm>
+          <a:prstGeom prst="rect">
+            <a:avLst/>
+          </a:prstGeom>
+          <a:noFill/>
+        </p:spPr>
+        <p:txBody>
+          <a:bodyPr wrap="square" rtlCol="0">
+            <a:spAutoFit/>
+          </a:bodyPr>
+          <a:lstStyle/>
+          <a:p>
+            <a:r>
+              <a:rPr lang="fr-CH" sz="5500" b="1" u="sng" dirty="0">
+                <a:latin typeface="Arial" panose="020B0604020202020204" pitchFamily="34" charset="0"/>
+                <a:cs typeface="Arial" panose="020B0604020202020204" pitchFamily="34" charset="0"/>
+              </a:rPr>
+              <a:t>Technologies utilisées</a:t>
+            </a:r>
+          </a:p>
+        </p:txBody>
+      </p:sp>
+      <p:sp>
+        <p:nvSpPr>
+          <p:cNvPr id="6" name="ZoneTexte 5">
+            <a:extLst>
+              <a:ext uri="{FF2B5EF4-FFF2-40B4-BE49-F238E27FC236}">
+                <a16:creationId xmlns:a16="http://schemas.microsoft.com/office/drawing/2014/main" id="{2159D15B-A988-542E-A168-F91029EA6D8E}"/>
+              </a:ext>
+            </a:extLst>
+          </p:cNvPr>
+          <p:cNvSpPr txBox="1"/>
+          <p:nvPr/>
+        </p:nvSpPr>
+        <p:spPr>
+          <a:xfrm>
+            <a:off x="1216404" y="9761081"/>
+            <a:ext cx="7951132" cy="938719"/>
+          </a:xfrm>
+          <a:prstGeom prst="rect">
+            <a:avLst/>
+          </a:prstGeom>
+          <a:noFill/>
+        </p:spPr>
+        <p:txBody>
+          <a:bodyPr wrap="square" rtlCol="0">
+            <a:spAutoFit/>
+          </a:bodyPr>
+          <a:lstStyle/>
+          <a:p>
+            <a:r>
+              <a:rPr lang="fr-CH" sz="5500" b="1" u="sng" dirty="0">
+                <a:latin typeface="Arial" panose="020B0604020202020204" pitchFamily="34" charset="0"/>
+                <a:cs typeface="Arial" panose="020B0604020202020204" pitchFamily="34" charset="0"/>
+              </a:rPr>
+              <a:t>Données utilisées</a:t>
+            </a:r>
+          </a:p>
+        </p:txBody>
+      </p:sp>
+      <p:sp>
+        <p:nvSpPr>
+          <p:cNvPr id="7" name="ZoneTexte 6">
+            <a:extLst>
+              <a:ext uri="{FF2B5EF4-FFF2-40B4-BE49-F238E27FC236}">
+                <a16:creationId xmlns:a16="http://schemas.microsoft.com/office/drawing/2014/main" id="{2D0D1F39-1667-B77A-A848-473C404F694F}"/>
+              </a:ext>
+            </a:extLst>
+          </p:cNvPr>
+          <p:cNvSpPr txBox="1"/>
+          <p:nvPr/>
+        </p:nvSpPr>
+        <p:spPr>
+          <a:xfrm>
+            <a:off x="1092928" y="13865647"/>
+            <a:ext cx="7951132" cy="938719"/>
+          </a:xfrm>
+          <a:prstGeom prst="rect">
+            <a:avLst/>
+          </a:prstGeom>
+          <a:noFill/>
+        </p:spPr>
+        <p:txBody>
+          <a:bodyPr wrap="square" rtlCol="0">
+            <a:spAutoFit/>
+          </a:bodyPr>
+          <a:lstStyle/>
+          <a:p>
+            <a:r>
+              <a:rPr lang="fr-CH" sz="5500" b="1" u="sng" dirty="0">
+                <a:latin typeface="Arial" panose="020B0604020202020204" pitchFamily="34" charset="0"/>
+                <a:cs typeface="Arial" panose="020B0604020202020204" pitchFamily="34" charset="0"/>
+              </a:rPr>
+              <a:t>Aperçu</a:t>
+            </a:r>
+          </a:p>
+        </p:txBody>
+      </p:sp>
+      <p:sp>
+        <p:nvSpPr>
+          <p:cNvPr id="8" name="ZoneTexte 7">
+            <a:extLst>
+              <a:ext uri="{FF2B5EF4-FFF2-40B4-BE49-F238E27FC236}">
+                <a16:creationId xmlns:a16="http://schemas.microsoft.com/office/drawing/2014/main" id="{681834C6-D3A3-7437-1035-C6F27A4BDA0B}"/>
+              </a:ext>
+            </a:extLst>
+          </p:cNvPr>
+          <p:cNvSpPr txBox="1"/>
+          <p:nvPr/>
+        </p:nvSpPr>
+        <p:spPr>
+          <a:xfrm>
+            <a:off x="1115931" y="4612433"/>
+            <a:ext cx="6747812" cy="4324261"/>
+          </a:xfrm>
+          <a:prstGeom prst="rect">
+            <a:avLst/>
+          </a:prstGeom>
+          <a:noFill/>
+        </p:spPr>
+        <p:txBody>
+          <a:bodyPr wrap="square" rtlCol="0">
+            <a:spAutoFit/>
+          </a:bodyPr>
+          <a:lstStyle/>
+          <a:p>
+            <a:r>
+              <a:rPr lang="fr-CH" sz="5500" dirty="0">
+                <a:latin typeface="Arial" panose="020B0604020202020204" pitchFamily="34" charset="0"/>
+                <a:cs typeface="Arial" panose="020B0604020202020204" pitchFamily="34" charset="0"/>
+              </a:rPr>
+              <a:t>Création d’une page web en html pour jouer à PAC-MAN dans les rues d’Yverdon-les-Bains</a:t>
+            </a:r>
+          </a:p>
+        </p:txBody>
+      </p:sp>
+      <p:sp>
+        <p:nvSpPr>
+          <p:cNvPr id="18" name="ZoneTexte 17">
+            <a:extLst>
+              <a:ext uri="{FF2B5EF4-FFF2-40B4-BE49-F238E27FC236}">
+                <a16:creationId xmlns:a16="http://schemas.microsoft.com/office/drawing/2014/main" id="{E54EA5E7-0C58-D5C3-C838-BC2267CED497}"/>
+              </a:ext>
+            </a:extLst>
+          </p:cNvPr>
+          <p:cNvSpPr txBox="1"/>
+          <p:nvPr/>
+        </p:nvSpPr>
+        <p:spPr>
+          <a:xfrm>
+            <a:off x="8580372" y="4463295"/>
+            <a:ext cx="12177814" cy="5170646"/>
+          </a:xfrm>
+          <a:prstGeom prst="rect">
+            <a:avLst/>
+          </a:prstGeom>
+          <a:noFill/>
+        </p:spPr>
+        <p:txBody>
+          <a:bodyPr wrap="square" rtlCol="0">
+            <a:spAutoFit/>
+          </a:bodyPr>
+          <a:lstStyle/>
+          <a:p>
+            <a:pPr marL="685800" indent="-685800">
+              <a:buFont typeface="Arial" panose="020B0604020202020204" pitchFamily="34" charset="0"/>
+              <a:buChar char="•"/>
+            </a:pPr>
+            <a:r>
+              <a:rPr lang="fr-CH" sz="5500" dirty="0">
+                <a:latin typeface="Arial" panose="020B0604020202020204" pitchFamily="34" charset="0"/>
+                <a:cs typeface="Arial" panose="020B0604020202020204" pitchFamily="34" charset="0"/>
+              </a:rPr>
+              <a:t>Création de la page d’accueil</a:t>
+            </a:r>
+          </a:p>
+          <a:p>
+            <a:pPr marL="685800" indent="-685800">
+              <a:buFont typeface="Arial" panose="020B0604020202020204" pitchFamily="34" charset="0"/>
+              <a:buChar char="•"/>
+            </a:pPr>
+            <a:r>
+              <a:rPr lang="fr-CH" sz="5500" dirty="0">
+                <a:latin typeface="Arial" panose="020B0604020202020204" pitchFamily="34" charset="0"/>
+                <a:cs typeface="Arial" panose="020B0604020202020204" pitchFamily="34" charset="0"/>
+              </a:rPr>
+              <a:t>Création de la page de jeu</a:t>
+            </a:r>
+          </a:p>
+          <a:p>
+            <a:pPr marL="685800" indent="-685800">
+              <a:buFont typeface="Arial" panose="020B0604020202020204" pitchFamily="34" charset="0"/>
+              <a:buChar char="•"/>
+            </a:pPr>
+            <a:r>
+              <a:rPr lang="fr-CH" sz="5500" dirty="0">
+                <a:latin typeface="Arial" panose="020B0604020202020204" pitchFamily="34" charset="0"/>
+                <a:cs typeface="Arial" panose="020B0604020202020204" pitchFamily="34" charset="0"/>
+              </a:rPr>
+              <a:t>Création des déplacements de PAC-MAN sur les routes</a:t>
+            </a:r>
+          </a:p>
+          <a:p>
+            <a:pPr marL="685800" indent="-685800">
+              <a:buFont typeface="Arial" panose="020B0604020202020204" pitchFamily="34" charset="0"/>
+              <a:buChar char="•"/>
+            </a:pPr>
+            <a:r>
+              <a:rPr lang="fr-CH" sz="5500" dirty="0">
+                <a:latin typeface="Arial" panose="020B0604020202020204" pitchFamily="34" charset="0"/>
+                <a:cs typeface="Arial" panose="020B0604020202020204" pitchFamily="34" charset="0"/>
+              </a:rPr>
+              <a:t>Création des intersections de PAC-MAN par l’utilisateur</a:t>
+            </a:r>
+          </a:p>
+        </p:txBody>
+      </p:sp>
+      <p:sp>
+        <p:nvSpPr>
+          <p:cNvPr id="20" name="ZoneTexte 19">
+            <a:extLst>
+              <a:ext uri="{FF2B5EF4-FFF2-40B4-BE49-F238E27FC236}">
+                <a16:creationId xmlns:a16="http://schemas.microsoft.com/office/drawing/2014/main" id="{75CC62EF-D366-7D71-335D-BB8B9656BDF3}"/>
+              </a:ext>
+            </a:extLst>
+          </p:cNvPr>
+          <p:cNvSpPr txBox="1"/>
+          <p:nvPr/>
+        </p:nvSpPr>
+        <p:spPr>
+          <a:xfrm>
+            <a:off x="1216404" y="10964371"/>
+            <a:ext cx="6747812" cy="1785104"/>
+          </a:xfrm>
+          <a:prstGeom prst="rect">
+            <a:avLst/>
+          </a:prstGeom>
+          <a:noFill/>
+        </p:spPr>
+        <p:txBody>
+          <a:bodyPr wrap="square" rtlCol="0">
+            <a:spAutoFit/>
+          </a:bodyPr>
+          <a:lstStyle/>
+          <a:p>
+            <a:pPr marL="685800" indent="-685800">
+              <a:buFont typeface="Arial" panose="020B0604020202020204" pitchFamily="34" charset="0"/>
+              <a:buChar char="•"/>
+            </a:pPr>
+            <a:r>
+              <a:rPr lang="fr-CH" sz="5500" dirty="0">
+                <a:latin typeface="Arial" panose="020B0604020202020204" pitchFamily="34" charset="0"/>
+                <a:cs typeface="Arial" panose="020B0604020202020204" pitchFamily="34" charset="0"/>
+              </a:rPr>
+              <a:t>Fond de plan</a:t>
+            </a:r>
+          </a:p>
+          <a:p>
+            <a:pPr marL="685800" indent="-685800">
+              <a:buFont typeface="Arial" panose="020B0604020202020204" pitchFamily="34" charset="0"/>
+              <a:buChar char="•"/>
+            </a:pPr>
+            <a:r>
+              <a:rPr lang="fr-CH" sz="5500" dirty="0">
+                <a:latin typeface="Arial" panose="020B0604020202020204" pitchFamily="34" charset="0"/>
+                <a:cs typeface="Arial" panose="020B0604020202020204" pitchFamily="34" charset="0"/>
+              </a:rPr>
+              <a:t>Routes</a:t>
+            </a:r>
+          </a:p>
+        </p:txBody>
+      </p:sp>
+      <p:sp>
+        <p:nvSpPr>
+          <p:cNvPr id="22" name="ZoneTexte 21">
+            <a:extLst>
+              <a:ext uri="{FF2B5EF4-FFF2-40B4-BE49-F238E27FC236}">
+                <a16:creationId xmlns:a16="http://schemas.microsoft.com/office/drawing/2014/main" id="{2224C03D-B767-C3C4-039D-24B86BE4AC42}"/>
+              </a:ext>
+            </a:extLst>
+          </p:cNvPr>
+          <p:cNvSpPr txBox="1"/>
+          <p:nvPr/>
+        </p:nvSpPr>
+        <p:spPr>
+          <a:xfrm>
+            <a:off x="8644022" y="11242482"/>
+            <a:ext cx="6747812" cy="2631490"/>
+          </a:xfrm>
+          <a:prstGeom prst="rect">
+            <a:avLst/>
+          </a:prstGeom>
+          <a:noFill/>
+        </p:spPr>
+        <p:txBody>
+          <a:bodyPr wrap="square" rtlCol="0">
+            <a:spAutoFit/>
+          </a:bodyPr>
+          <a:lstStyle/>
+          <a:p>
+            <a:pPr marL="685800" indent="-685800">
+              <a:buFont typeface="Arial" panose="020B0604020202020204" pitchFamily="34" charset="0"/>
+              <a:buChar char="•"/>
+            </a:pPr>
+            <a:r>
+              <a:rPr lang="fr-CH" sz="5500" dirty="0">
+                <a:latin typeface="Arial" panose="020B0604020202020204" pitchFamily="34" charset="0"/>
+                <a:cs typeface="Arial" panose="020B0604020202020204" pitchFamily="34" charset="0"/>
+              </a:rPr>
+              <a:t>HTML</a:t>
+            </a:r>
+          </a:p>
+          <a:p>
+            <a:pPr marL="685800" indent="-685800">
+              <a:buFont typeface="Arial" panose="020B0604020202020204" pitchFamily="34" charset="0"/>
+              <a:buChar char="•"/>
+            </a:pPr>
+            <a:r>
+              <a:rPr lang="fr-CH" sz="5500" dirty="0">
+                <a:latin typeface="Arial" panose="020B0604020202020204" pitchFamily="34" charset="0"/>
+                <a:cs typeface="Arial" panose="020B0604020202020204" pitchFamily="34" charset="0"/>
+              </a:rPr>
+              <a:t>JSON</a:t>
+            </a:r>
+          </a:p>
+          <a:p>
+            <a:pPr marL="685800" indent="-685800">
+              <a:buFont typeface="Arial" panose="020B0604020202020204" pitchFamily="34" charset="0"/>
+              <a:buChar char="•"/>
+            </a:pPr>
+            <a:r>
+              <a:rPr lang="fr-CH" sz="5500" dirty="0">
+                <a:latin typeface="Arial" panose="020B0604020202020204" pitchFamily="34" charset="0"/>
+                <a:cs typeface="Arial" panose="020B0604020202020204" pitchFamily="34" charset="0"/>
+              </a:rPr>
+              <a:t>CSS</a:t>
+            </a:r>
+          </a:p>
+        </p:txBody>
+      </p:sp>
+      <p:sp>
+        <p:nvSpPr>
+          <p:cNvPr id="23" name="ZoneTexte 22">
+            <a:extLst>
+              <a:ext uri="{FF2B5EF4-FFF2-40B4-BE49-F238E27FC236}">
+                <a16:creationId xmlns:a16="http://schemas.microsoft.com/office/drawing/2014/main" id="{304B9658-CA0A-D3D3-6C37-125985D1528E}"/>
+              </a:ext>
+            </a:extLst>
+          </p:cNvPr>
+          <p:cNvSpPr txBox="1"/>
+          <p:nvPr/>
+        </p:nvSpPr>
+        <p:spPr>
+          <a:xfrm>
+            <a:off x="634193" y="14824766"/>
+            <a:ext cx="6747812" cy="938719"/>
+          </a:xfrm>
+          <a:prstGeom prst="rect">
+            <a:avLst/>
+          </a:prstGeom>
+          <a:noFill/>
+        </p:spPr>
+        <p:txBody>
+          <a:bodyPr wrap="square" rtlCol="0">
+            <a:spAutoFit/>
+          </a:bodyPr>
+          <a:lstStyle/>
+          <a:p>
+            <a:r>
+              <a:rPr lang="fr-CH" sz="5500" dirty="0">
+                <a:latin typeface="Arial" panose="020B0604020202020204" pitchFamily="34" charset="0"/>
+                <a:cs typeface="Arial" panose="020B0604020202020204" pitchFamily="34" charset="0"/>
+              </a:rPr>
+              <a:t>Page d’accueil</a:t>
+            </a:r>
+          </a:p>
+        </p:txBody>
+      </p:sp>
+      <p:sp>
+        <p:nvSpPr>
+          <p:cNvPr id="24" name="ZoneTexte 23">
+            <a:extLst>
+              <a:ext uri="{FF2B5EF4-FFF2-40B4-BE49-F238E27FC236}">
+                <a16:creationId xmlns:a16="http://schemas.microsoft.com/office/drawing/2014/main" id="{88E35016-3E0D-820E-A4B9-A38941225360}"/>
+              </a:ext>
+            </a:extLst>
+          </p:cNvPr>
+          <p:cNvSpPr txBox="1"/>
+          <p:nvPr/>
+        </p:nvSpPr>
+        <p:spPr>
+          <a:xfrm>
+            <a:off x="9787711" y="14899594"/>
+            <a:ext cx="6747812" cy="938719"/>
+          </a:xfrm>
+          <a:prstGeom prst="rect">
+            <a:avLst/>
+          </a:prstGeom>
+          <a:noFill/>
+        </p:spPr>
+        <p:txBody>
+          <a:bodyPr wrap="square" rtlCol="0">
+            <a:spAutoFit/>
+          </a:bodyPr>
+          <a:lstStyle/>
+          <a:p>
+            <a:r>
+              <a:rPr lang="fr-CH" sz="5500" dirty="0">
+                <a:latin typeface="Arial" panose="020B0604020202020204" pitchFamily="34" charset="0"/>
+                <a:cs typeface="Arial" panose="020B0604020202020204" pitchFamily="34" charset="0"/>
+              </a:rPr>
+              <a:t>Page de jeu</a:t>
+            </a:r>
+          </a:p>
+        </p:txBody>
+      </p:sp>
+      <p:sp>
+        <p:nvSpPr>
+          <p:cNvPr id="25" name="ZoneTexte 24">
+            <a:extLst>
+              <a:ext uri="{FF2B5EF4-FFF2-40B4-BE49-F238E27FC236}">
+                <a16:creationId xmlns:a16="http://schemas.microsoft.com/office/drawing/2014/main" id="{79A71E4F-4FC7-8AF7-0222-A5CB09270B4B}"/>
+              </a:ext>
+            </a:extLst>
+          </p:cNvPr>
+          <p:cNvSpPr txBox="1"/>
+          <p:nvPr/>
+        </p:nvSpPr>
+        <p:spPr>
+          <a:xfrm>
+            <a:off x="634193" y="28170180"/>
+            <a:ext cx="6747812" cy="1477328"/>
+          </a:xfrm>
+          <a:prstGeom prst="rect">
+            <a:avLst/>
+          </a:prstGeom>
+          <a:noFill/>
+        </p:spPr>
+        <p:txBody>
+          <a:bodyPr wrap="square" rtlCol="0">
+            <a:spAutoFit/>
+          </a:bodyPr>
+          <a:lstStyle/>
+          <a:p>
+            <a:r>
+              <a:rPr lang="fr-CH" sz="4500" dirty="0">
+                <a:latin typeface="Arial" panose="020B0604020202020204" pitchFamily="34" charset="0"/>
+                <a:cs typeface="Arial" panose="020B0604020202020204" pitchFamily="34" charset="0"/>
+              </a:rPr>
+              <a:t>Baeriswyl Aline</a:t>
+            </a:r>
+          </a:p>
+          <a:p>
+            <a:r>
+              <a:rPr lang="fr-CH" sz="4500" dirty="0">
+                <a:latin typeface="Arial" panose="020B0604020202020204" pitchFamily="34" charset="0"/>
+                <a:cs typeface="Arial" panose="020B0604020202020204" pitchFamily="34" charset="0"/>
+              </a:rPr>
+              <a:t>Fourquaux Maxime</a:t>
+            </a:r>
+          </a:p>
+        </p:txBody>
+      </p:sp>
+      <p:sp>
+        <p:nvSpPr>
+          <p:cNvPr id="26" name="ZoneTexte 25">
+            <a:extLst>
+              <a:ext uri="{FF2B5EF4-FFF2-40B4-BE49-F238E27FC236}">
+                <a16:creationId xmlns:a16="http://schemas.microsoft.com/office/drawing/2014/main" id="{46947958-BF19-3354-FBA9-9909D24EB9A3}"/>
+              </a:ext>
+            </a:extLst>
+          </p:cNvPr>
+          <p:cNvSpPr txBox="1"/>
+          <p:nvPr/>
+        </p:nvSpPr>
+        <p:spPr>
+          <a:xfrm>
+            <a:off x="11415465" y="28170180"/>
+            <a:ext cx="8331115" cy="1477328"/>
+          </a:xfrm>
+          <a:prstGeom prst="rect">
+            <a:avLst/>
+          </a:prstGeom>
+          <a:noFill/>
+        </p:spPr>
+        <p:txBody>
+          <a:bodyPr wrap="square" rtlCol="0">
+            <a:spAutoFit/>
+          </a:bodyPr>
+          <a:lstStyle/>
+          <a:p>
+            <a:r>
+              <a:rPr lang="fr-CH" sz="4500" dirty="0">
+                <a:latin typeface="Arial" panose="020B0604020202020204" pitchFamily="34" charset="0"/>
+                <a:cs typeface="Arial" panose="020B0604020202020204" pitchFamily="34" charset="0"/>
+              </a:rPr>
+              <a:t>Projet de SysInfGeo3</a:t>
+            </a:r>
+          </a:p>
+          <a:p>
+            <a:r>
+              <a:rPr lang="fr-CH" sz="4500" dirty="0">
+                <a:latin typeface="Arial" panose="020B0604020202020204" pitchFamily="34" charset="0"/>
+                <a:cs typeface="Arial" panose="020B0604020202020204" pitchFamily="34" charset="0"/>
+              </a:rPr>
+              <a:t>27 janvier 2023</a:t>
+            </a:r>
+          </a:p>
+        </p:txBody>
+      </p:sp>
+      <p:pic>
+        <p:nvPicPr>
+          <p:cNvPr id="1028" name="Picture 4" descr="Liste des articles de la catégorie CSS">
+            <a:extLst>
+              <a:ext uri="{FF2B5EF4-FFF2-40B4-BE49-F238E27FC236}">
+                <a16:creationId xmlns:a16="http://schemas.microsoft.com/office/drawing/2014/main" id="{E942B983-F5B7-BDE7-56C6-5273875304BD}"/>
+              </a:ext>
+            </a:extLst>
+          </p:cNvPr>
+          <p:cNvPicPr>
+            <a:picLocks noChangeAspect="1" noChangeArrowheads="1"/>
+          </p:cNvPicPr>
+          <p:nvPr/>
+        </p:nvPicPr>
+        <p:blipFill rotWithShape="1">
+          <a:blip r:embed="rId7">
+            <a:extLst>
+              <a:ext uri="{28A0092B-C50C-407E-A947-70E740481C1C}">
+                <a14:useLocalDpi xmlns:a14="http://schemas.microsoft.com/office/drawing/2010/main" val="0"/>
+              </a:ext>
+            </a:extLst>
+          </a:blip>
+          <a:srcRect l="6572" t="19116" b="17578"/>
+          <a:stretch/>
+        </p:blipFill>
+        <p:spPr bwMode="auto">
+          <a:xfrm>
+            <a:off x="8759269" y="10807306"/>
+            <a:ext cx="6917273" cy="4017460"/>
+          </a:xfrm>
+          <a:prstGeom prst="rect">
+            <a:avLst/>
+          </a:prstGeom>
+          <a:noFill/>
+          <a:extLst>
+            <a:ext uri="{909E8E84-426E-40DD-AFC4-6F175D3DCCD1}">
+              <a14:hiddenFill xmlns:a14="http://schemas.microsoft.com/office/drawing/2010/main">
+                <a:solidFill>
+                  <a:srgbClr val="FFFFFF"/>
+                </a:solidFill>
+              </a14:hiddenFill>
+            </a:ext>
+          </a:extLst>
+        </p:spPr>
+      </p:pic>
+      <p:sp>
+        <p:nvSpPr>
+          <p:cNvPr id="27" name="ZoneTexte 26">
+            <a:extLst>
+              <a:ext uri="{FF2B5EF4-FFF2-40B4-BE49-F238E27FC236}">
+                <a16:creationId xmlns:a16="http://schemas.microsoft.com/office/drawing/2014/main" id="{E117B532-3CA0-B7C5-72C7-24DF1B6F7882}"/>
+              </a:ext>
+            </a:extLst>
+          </p:cNvPr>
+          <p:cNvSpPr txBox="1"/>
+          <p:nvPr/>
+        </p:nvSpPr>
+        <p:spPr>
+          <a:xfrm>
+            <a:off x="919504" y="22510361"/>
+            <a:ext cx="10138162" cy="938719"/>
+          </a:xfrm>
+          <a:prstGeom prst="rect">
+            <a:avLst/>
+          </a:prstGeom>
+          <a:noFill/>
+        </p:spPr>
+        <p:txBody>
+          <a:bodyPr wrap="square" rtlCol="0">
+            <a:spAutoFit/>
+          </a:bodyPr>
+          <a:lstStyle/>
+          <a:p>
+            <a:r>
+              <a:rPr lang="fr-CH" sz="5500" b="1" u="sng" dirty="0">
+                <a:latin typeface="Arial" panose="020B0604020202020204" pitchFamily="34" charset="0"/>
+                <a:cs typeface="Arial" panose="020B0604020202020204" pitchFamily="34" charset="0"/>
+              </a:rPr>
+              <a:t>Perspectives d’améliorations</a:t>
+            </a:r>
+          </a:p>
+        </p:txBody>
+      </p:sp>
+      <p:sp>
+        <p:nvSpPr>
+          <p:cNvPr id="28" name="ZoneTexte 27">
+            <a:extLst>
+              <a:ext uri="{FF2B5EF4-FFF2-40B4-BE49-F238E27FC236}">
+                <a16:creationId xmlns:a16="http://schemas.microsoft.com/office/drawing/2014/main" id="{6016DD86-D56B-FA65-2683-E40DFEF06039}"/>
+              </a:ext>
+            </a:extLst>
+          </p:cNvPr>
+          <p:cNvSpPr txBox="1"/>
+          <p:nvPr/>
+        </p:nvSpPr>
+        <p:spPr>
+          <a:xfrm>
+            <a:off x="919503" y="23713651"/>
+            <a:ext cx="11876984" cy="4324261"/>
+          </a:xfrm>
+          <a:prstGeom prst="rect">
+            <a:avLst/>
+          </a:prstGeom>
+          <a:noFill/>
+        </p:spPr>
+        <p:txBody>
+          <a:bodyPr wrap="square" rtlCol="0">
+            <a:spAutoFit/>
+          </a:bodyPr>
+          <a:lstStyle/>
+          <a:p>
+            <a:pPr marL="685800" indent="-685800">
+              <a:buFont typeface="Arial" panose="020B0604020202020204" pitchFamily="34" charset="0"/>
+              <a:buChar char="•"/>
+            </a:pPr>
+            <a:r>
+              <a:rPr lang="fr-CH" sz="5500" dirty="0">
+                <a:latin typeface="Arial" panose="020B0604020202020204" pitchFamily="34" charset="0"/>
+                <a:cs typeface="Arial" panose="020B0604020202020204" pitchFamily="34" charset="0"/>
+              </a:rPr>
+              <a:t>Créer les mouvements des fantômes (chacun un mouvement différent)</a:t>
+            </a:r>
+          </a:p>
+          <a:p>
+            <a:pPr marL="685800" indent="-685800">
+              <a:buFont typeface="Arial" panose="020B0604020202020204" pitchFamily="34" charset="0"/>
+              <a:buChar char="•"/>
+            </a:pPr>
+            <a:r>
+              <a:rPr lang="fr-CH" sz="5500" dirty="0">
+                <a:latin typeface="Arial" panose="020B0604020202020204" pitchFamily="34" charset="0"/>
+                <a:cs typeface="Arial" panose="020B0604020202020204" pitchFamily="34" charset="0"/>
+              </a:rPr>
+              <a:t>Créer les fruits (points bonus) à manger</a:t>
+            </a:r>
+          </a:p>
+        </p:txBody>
+      </p:sp>
+      <p:pic>
+        <p:nvPicPr>
+          <p:cNvPr id="1036" name="Picture 12" descr="Pacman Ghosts | Pixel Art Maker">
+            <a:extLst>
+              <a:ext uri="{FF2B5EF4-FFF2-40B4-BE49-F238E27FC236}">
+                <a16:creationId xmlns:a16="http://schemas.microsoft.com/office/drawing/2014/main" id="{9C40A162-94C9-570E-1586-4EF1B782A20B}"/>
+              </a:ext>
+            </a:extLst>
+          </p:cNvPr>
+          <p:cNvPicPr>
+            <a:picLocks noChangeAspect="1" noChangeArrowheads="1"/>
+          </p:cNvPicPr>
+          <p:nvPr/>
+        </p:nvPicPr>
+        <p:blipFill>
+          <a:blip r:embed="rId8">
+            <a:extLst>
+              <a:ext uri="{28A0092B-C50C-407E-A947-70E740481C1C}">
+                <a14:useLocalDpi xmlns:a14="http://schemas.microsoft.com/office/drawing/2010/main" val="0"/>
+              </a:ext>
+            </a:extLst>
+          </a:blip>
+          <a:srcRect/>
+          <a:stretch>
+            <a:fillRect/>
+          </a:stretch>
+        </p:blipFill>
+        <p:spPr bwMode="auto">
+          <a:xfrm>
+            <a:off x="12683799" y="22979720"/>
+            <a:ext cx="7810500" cy="2286000"/>
+          </a:xfrm>
+          <a:prstGeom prst="rect">
+            <a:avLst/>
+          </a:prstGeom>
+          <a:noFill/>
+          <a:extLst>
+            <a:ext uri="{909E8E84-426E-40DD-AFC4-6F175D3DCCD1}">
+              <a14:hiddenFill xmlns:a14="http://schemas.microsoft.com/office/drawing/2010/main">
+                <a:solidFill>
+                  <a:srgbClr val="FFFFFF"/>
+                </a:solidFill>
+              </a14:hiddenFill>
+            </a:ext>
+          </a:extLst>
+        </p:spPr>
+      </p:pic>
+      <p:pic>
+        <p:nvPicPr>
+          <p:cNvPr id="1038" name="Picture 14" descr="7 Things You Didn't Know About Pac-Man On His 40th Birthday | Digital Trends">
+            <a:extLst>
+              <a:ext uri="{FF2B5EF4-FFF2-40B4-BE49-F238E27FC236}">
+                <a16:creationId xmlns:a16="http://schemas.microsoft.com/office/drawing/2014/main" id="{9429874C-3CC3-F8BF-7DBA-E42B15F3DC36}"/>
+              </a:ext>
+            </a:extLst>
+          </p:cNvPr>
+          <p:cNvPicPr>
+            <a:picLocks noChangeAspect="1" noChangeArrowheads="1"/>
+          </p:cNvPicPr>
+          <p:nvPr/>
+        </p:nvPicPr>
+        <p:blipFill rotWithShape="1">
+          <a:blip r:embed="rId9">
+            <a:extLst>
+              <a:ext uri="{28A0092B-C50C-407E-A947-70E740481C1C}">
+                <a14:useLocalDpi xmlns:a14="http://schemas.microsoft.com/office/drawing/2010/main" val="0"/>
+              </a:ext>
+            </a:extLst>
+          </a:blip>
+          <a:srcRect l="16762" t="21740"/>
+          <a:stretch/>
+        </p:blipFill>
+        <p:spPr bwMode="auto">
+          <a:xfrm>
+            <a:off x="11450163" y="25811918"/>
+            <a:ext cx="9506160" cy="1953002"/>
+          </a:xfrm>
+          <a:prstGeom prst="rect">
+            <a:avLst/>
+          </a:prstGeom>
+          <a:noFill/>
+          <a:extLst>
+            <a:ext uri="{909E8E84-426E-40DD-AFC4-6F175D3DCCD1}">
+              <a14:hiddenFill xmlns:a14="http://schemas.microsoft.com/office/drawing/2010/main">
+                <a:solidFill>
+                  <a:srgbClr val="FFFFFF"/>
+                </a:solidFill>
+              </a14:hiddenFill>
+            </a:ext>
+          </a:extLst>
+        </p:spPr>
+      </p:pic>
+      <p:pic>
+        <p:nvPicPr>
+          <p:cNvPr id="33" name="Image 32">
+            <a:extLst>
+              <a:ext uri="{FF2B5EF4-FFF2-40B4-BE49-F238E27FC236}">
+                <a16:creationId xmlns:a16="http://schemas.microsoft.com/office/drawing/2014/main" id="{9F77BC42-7D37-80BB-0193-1D73A2D333FC}"/>
+              </a:ext>
+            </a:extLst>
+          </p:cNvPr>
+          <p:cNvPicPr>
+            <a:picLocks noChangeAspect="1"/>
+          </p:cNvPicPr>
+          <p:nvPr/>
+        </p:nvPicPr>
+        <p:blipFill>
+          <a:blip r:embed="rId10">
+            <a:extLst>
+              <a:ext uri="{28A0092B-C50C-407E-A947-70E740481C1C}">
+                <a14:useLocalDpi xmlns:a14="http://schemas.microsoft.com/office/drawing/2010/main" val="0"/>
+              </a:ext>
+            </a:extLst>
+          </a:blip>
+          <a:stretch>
+            <a:fillRect/>
+          </a:stretch>
+        </p:blipFill>
+        <p:spPr>
+          <a:xfrm>
+            <a:off x="18964687" y="1116797"/>
+            <a:ext cx="1563786" cy="1563786"/>
           </a:xfrm>
           <a:prstGeom prst="rect">
             <a:avLst/>
